--- a/К ПРОЕКТУ.pptx
+++ b/К ПРОЕКТУ.pptx
@@ -138,6 +138,9 @@
         </p15:guide>
       </p15:sldGuideLst>
     </p:ext>
+    <p:ext uri="{2D200454-40CA-4A62-9FC3-DE9A4176ACB9}">
+      <p15:notesGuideLst xmlns:p15="http://schemas.microsoft.com/office/powerpoint/2012/main"/>
+    </p:ext>
   </p:extLst>
 </p:presentation>
 </file>
@@ -224,7 +227,7 @@
           <a:p>
             <a:fld id="{640477AE-99AC-43BB-B49E-0C7C30A30465}" type="datetimeFigureOut">
               <a:rPr lang="ru-RU" smtClean="0"/>
-              <a:t>03.02.2025</a:t>
+              <a:t>04.02.2025</a:t>
             </a:fld>
             <a:endParaRPr lang="ru-RU"/>
           </a:p>
@@ -1049,7 +1052,7 @@
           <a:p>
             <a:fld id="{2A9D141B-9F98-494C-8617-2751FEEFE5AE}" type="datetimeFigureOut">
               <a:rPr lang="ru-RU" smtClean="0"/>
-              <a:t>03.02.2025</a:t>
+              <a:t>04.02.2025</a:t>
             </a:fld>
             <a:endParaRPr lang="ru-RU" dirty="0"/>
           </a:p>
@@ -1236,7 +1239,7 @@
           <a:p>
             <a:fld id="{2A9D141B-9F98-494C-8617-2751FEEFE5AE}" type="datetimeFigureOut">
               <a:rPr lang="ru-RU" smtClean="0"/>
-              <a:t>03.02.2025</a:t>
+              <a:t>04.02.2025</a:t>
             </a:fld>
             <a:endParaRPr lang="ru-RU" dirty="0"/>
           </a:p>
@@ -1413,7 +1416,7 @@
           <a:p>
             <a:fld id="{2A9D141B-9F98-494C-8617-2751FEEFE5AE}" type="datetimeFigureOut">
               <a:rPr lang="ru-RU" smtClean="0"/>
-              <a:t>03.02.2025</a:t>
+              <a:t>04.02.2025</a:t>
             </a:fld>
             <a:endParaRPr lang="ru-RU" dirty="0"/>
           </a:p>
@@ -1666,7 +1669,7 @@
           <a:p>
             <a:fld id="{2A9D141B-9F98-494C-8617-2751FEEFE5AE}" type="datetimeFigureOut">
               <a:rPr lang="ru-RU" smtClean="0"/>
-              <a:t>03.02.2025</a:t>
+              <a:t>04.02.2025</a:t>
             </a:fld>
             <a:endParaRPr lang="ru-RU" dirty="0"/>
           </a:p>
@@ -1905,7 +1908,7 @@
           <a:p>
             <a:fld id="{2A9D141B-9F98-494C-8617-2751FEEFE5AE}" type="datetimeFigureOut">
               <a:rPr lang="ru-RU" smtClean="0"/>
-              <a:t>03.02.2025</a:t>
+              <a:t>04.02.2025</a:t>
             </a:fld>
             <a:endParaRPr lang="ru-RU" dirty="0"/>
           </a:p>
@@ -2279,7 +2282,7 @@
           <a:p>
             <a:fld id="{2A9D141B-9F98-494C-8617-2751FEEFE5AE}" type="datetimeFigureOut">
               <a:rPr lang="ru-RU" smtClean="0"/>
-              <a:t>03.02.2025</a:t>
+              <a:t>04.02.2025</a:t>
             </a:fld>
             <a:endParaRPr lang="ru-RU" dirty="0"/>
           </a:p>
@@ -2397,7 +2400,7 @@
           <a:p>
             <a:fld id="{2A9D141B-9F98-494C-8617-2751FEEFE5AE}" type="datetimeFigureOut">
               <a:rPr lang="ru-RU" smtClean="0"/>
-              <a:t>03.02.2025</a:t>
+              <a:t>04.02.2025</a:t>
             </a:fld>
             <a:endParaRPr lang="ru-RU" dirty="0"/>
           </a:p>
@@ -2492,7 +2495,7 @@
           <a:p>
             <a:fld id="{2A9D141B-9F98-494C-8617-2751FEEFE5AE}" type="datetimeFigureOut">
               <a:rPr lang="ru-RU" smtClean="0"/>
-              <a:t>03.02.2025</a:t>
+              <a:t>04.02.2025</a:t>
             </a:fld>
             <a:endParaRPr lang="ru-RU" dirty="0"/>
           </a:p>
@@ -2769,7 +2772,7 @@
           <a:p>
             <a:fld id="{2A9D141B-9F98-494C-8617-2751FEEFE5AE}" type="datetimeFigureOut">
               <a:rPr lang="ru-RU" smtClean="0"/>
-              <a:t>03.02.2025</a:t>
+              <a:t>04.02.2025</a:t>
             </a:fld>
             <a:endParaRPr lang="ru-RU" dirty="0"/>
           </a:p>
@@ -3033,7 +3036,7 @@
           <a:p>
             <a:fld id="{2A9D141B-9F98-494C-8617-2751FEEFE5AE}" type="datetimeFigureOut">
               <a:rPr lang="ru-RU" smtClean="0"/>
-              <a:t>03.02.2025</a:t>
+              <a:t>04.02.2025</a:t>
             </a:fld>
             <a:endParaRPr lang="ru-RU" dirty="0"/>
           </a:p>
@@ -3256,7 +3259,7 @@
           <a:p>
             <a:fld id="{2A9D141B-9F98-494C-8617-2751FEEFE5AE}" type="datetimeFigureOut">
               <a:rPr lang="ru-RU" smtClean="0"/>
-              <a:t>03.02.2025</a:t>
+              <a:t>04.02.2025</a:t>
             </a:fld>
             <a:endParaRPr lang="ru-RU" dirty="0"/>
           </a:p>
